--- a/10|2-6/2023-10-5/kanji-reading.pptx
+++ b/10|2-6/2023-10-5/kanji-reading.pptx
@@ -1588,6 +1588,42 @@
         </p:nvSpPr>
         <p:spPr>
           <a:xfrm>
+            <a:off x="0" y="548640"/>
+            <a:ext cx="9144000" cy="1828800"/>
+          </a:xfrm>
+          <a:prstGeom prst="rect">
+            <a:avLst/>
+          </a:prstGeom>
+          <a:noFill/>
+          <a:ln/>
+        </p:spPr>
+        <p:txBody>
+          <a:bodyPr wrap="square" rtlCol="0" anchor="ctr"/>
+          <a:lstStyle/>
+          <a:p>
+            <a:pPr algn="ctr" indent="0" marL="0">
+              <a:buNone/>
+            </a:pPr>
+            <a:r>
+              <a:rPr lang="en-US" sz="4800" dirty="0">
+                <a:solidFill>
+                  <a:srgbClr val="000000"/>
+                </a:solidFill>
+              </a:rPr>
+              <a:t>殺す</a:t>
+            </a:r>
+            <a:endParaRPr lang="en-US" sz="4800" dirty="0"/>
+          </a:p>
+        </p:txBody>
+      </p:sp>
+      <p:sp>
+        <p:nvSpPr>
+          <p:cNvPr id="3" name="Text 1"/>
+          <p:cNvSpPr/>
+          <p:nvPr/>
+        </p:nvSpPr>
+        <p:spPr>
+          <a:xfrm>
             <a:off x="0" y="914400"/>
             <a:ext cx="9144000" cy="1828800"/>
           </a:xfrm>
@@ -1604,35 +1640,33 @@
             <a:pPr algn="ctr" indent="0" marL="0">
               <a:buNone/>
             </a:pPr>
-            <a:r>
-              <a:rPr lang="en-US" sz="4800" dirty="0">
-                <a:solidFill>
-                  <a:srgbClr val="000000"/>
-                </a:solidFill>
-              </a:rPr>
-              <a:t>殺す</a:t>
-            </a:r>
-            <a:endParaRPr lang="en-US" sz="4800" dirty="0"/>
-          </a:p>
-          <a:p>
-            <a:pPr algn="ctr" indent="0" marL="0">
-              <a:buNone/>
-            </a:pPr>
-            <a:r>
-              <a:rPr lang="en-US" sz="4800" dirty="0">
-                <a:solidFill>
-                  <a:srgbClr val="000000"/>
+            <a:endParaRPr lang="en-US" sz="3600" dirty="0"/>
+          </a:p>
+          <a:p>
+            <a:pPr algn="ctr" indent="0" marL="0">
+              <a:buNone/>
+            </a:pPr>
+            <a:endParaRPr lang="en-US" sz="3600" dirty="0"/>
+          </a:p>
+          <a:p>
+            <a:pPr algn="ctr" indent="0" marL="0">
+              <a:buNone/>
+            </a:pPr>
+            <a:r>
+              <a:rPr lang="en-US" sz="3600" dirty="0">
+                <a:solidFill>
+                  <a:srgbClr val="404040"/>
                 </a:solidFill>
               </a:rPr>
               <a:t>ころす</a:t>
             </a:r>
-            <a:endParaRPr lang="en-US" sz="4800" dirty="0"/>
-          </a:p>
-        </p:txBody>
-      </p:sp>
-      <p:sp>
-        <p:nvSpPr>
-          <p:cNvPr id="3" name="Text 1"/>
+            <a:endParaRPr lang="en-US" sz="3600" dirty="0"/>
+          </a:p>
+        </p:txBody>
+      </p:sp>
+      <p:sp>
+        <p:nvSpPr>
+          <p:cNvPr id="4" name="Text 2"/>
           <p:cNvSpPr/>
           <p:nvPr/>
         </p:nvSpPr>
@@ -1657,7 +1691,7 @@
             <a:r>
               <a:rPr lang="en-US" sz="3600" dirty="0">
                 <a:solidFill>
-                  <a:srgbClr val="000000"/>
+                  <a:srgbClr val="808080"/>
                 </a:solidFill>
               </a:rPr>
               <a:t>to kill, to slay, to murder, to slaughter | to suppress, to block, to hamper, to destroy (e.g. talent), to eliminate (e.g...</a:t>
@@ -1668,32 +1702,32 @@
       </p:sp>
       <p:sp>
         <p:nvSpPr>
-          <p:cNvPr id="4" name="Text 2"/>
-          <p:cNvSpPr/>
-          <p:nvPr/>
-        </p:nvSpPr>
-        <p:spPr>
-          <a:xfrm>
-            <a:off x="0" y="4572000"/>
-            <a:ext cx="7315200" cy="1828800"/>
-          </a:xfrm>
-          <a:prstGeom prst="rect">
-            <a:avLst/>
-          </a:prstGeom>
-          <a:noFill/>
-          <a:ln/>
-        </p:spPr>
-        <p:txBody>
-          <a:bodyPr wrap="square" rtlCol="0" anchor="ctr"/>
-          <a:lstStyle/>
-          <a:p>
-            <a:pPr algn="l" indent="0" marL="0">
+          <p:cNvPr id="5" name="Text 3"/>
+          <p:cNvSpPr/>
+          <p:nvPr/>
+        </p:nvSpPr>
+        <p:spPr>
+          <a:xfrm>
+            <a:off x="0" y="3657600"/>
+            <a:ext cx="8686800" cy="1828800"/>
+          </a:xfrm>
+          <a:prstGeom prst="rect">
+            <a:avLst/>
+          </a:prstGeom>
+          <a:noFill/>
+          <a:ln/>
+        </p:spPr>
+        <p:txBody>
+          <a:bodyPr wrap="square" rtlCol="0" anchor="ctr"/>
+          <a:lstStyle/>
+          <a:p>
+            <a:pPr algn="r" indent="0" marL="0">
               <a:buNone/>
             </a:pPr>
             <a:r>
               <a:rPr lang="en-US" sz="2400" dirty="0">
                 <a:solidFill>
-                  <a:srgbClr val="000000"/>
+                  <a:srgbClr val="808080"/>
                 </a:solidFill>
               </a:rPr>
               <a:t>67-68</a:t>
@@ -1735,6 +1769,42 @@
         </p:nvSpPr>
         <p:spPr>
           <a:xfrm>
+            <a:off x="0" y="548640"/>
+            <a:ext cx="9144000" cy="1828800"/>
+          </a:xfrm>
+          <a:prstGeom prst="rect">
+            <a:avLst/>
+          </a:prstGeom>
+          <a:noFill/>
+          <a:ln/>
+        </p:spPr>
+        <p:txBody>
+          <a:bodyPr wrap="square" rtlCol="0" anchor="ctr"/>
+          <a:lstStyle/>
+          <a:p>
+            <a:pPr algn="ctr" indent="0" marL="0">
+              <a:buNone/>
+            </a:pPr>
+            <a:r>
+              <a:rPr lang="en-US" sz="4800" dirty="0">
+                <a:solidFill>
+                  <a:srgbClr val="000000"/>
+                </a:solidFill>
+              </a:rPr>
+              <a:t>殺人</a:t>
+            </a:r>
+            <a:endParaRPr lang="en-US" sz="4800" dirty="0"/>
+          </a:p>
+        </p:txBody>
+      </p:sp>
+      <p:sp>
+        <p:nvSpPr>
+          <p:cNvPr id="3" name="Text 1"/>
+          <p:cNvSpPr/>
+          <p:nvPr/>
+        </p:nvSpPr>
+        <p:spPr>
+          <a:xfrm>
             <a:off x="0" y="914400"/>
             <a:ext cx="9144000" cy="1828800"/>
           </a:xfrm>
@@ -1751,35 +1821,33 @@
             <a:pPr algn="ctr" indent="0" marL="0">
               <a:buNone/>
             </a:pPr>
-            <a:r>
-              <a:rPr lang="en-US" sz="4800" dirty="0">
-                <a:solidFill>
-                  <a:srgbClr val="000000"/>
-                </a:solidFill>
-              </a:rPr>
-              <a:t>殺人</a:t>
-            </a:r>
-            <a:endParaRPr lang="en-US" sz="4800" dirty="0"/>
-          </a:p>
-          <a:p>
-            <a:pPr algn="ctr" indent="0" marL="0">
-              <a:buNone/>
-            </a:pPr>
-            <a:r>
-              <a:rPr lang="en-US" sz="4800" dirty="0">
-                <a:solidFill>
-                  <a:srgbClr val="000000"/>
+            <a:endParaRPr lang="en-US" sz="3600" dirty="0"/>
+          </a:p>
+          <a:p>
+            <a:pPr algn="ctr" indent="0" marL="0">
+              <a:buNone/>
+            </a:pPr>
+            <a:endParaRPr lang="en-US" sz="3600" dirty="0"/>
+          </a:p>
+          <a:p>
+            <a:pPr algn="ctr" indent="0" marL="0">
+              <a:buNone/>
+            </a:pPr>
+            <a:r>
+              <a:rPr lang="en-US" sz="3600" dirty="0">
+                <a:solidFill>
+                  <a:srgbClr val="404040"/>
                 </a:solidFill>
               </a:rPr>
               <a:t>さつじん</a:t>
             </a:r>
-            <a:endParaRPr lang="en-US" sz="4800" dirty="0"/>
-          </a:p>
-        </p:txBody>
-      </p:sp>
-      <p:sp>
-        <p:nvSpPr>
-          <p:cNvPr id="3" name="Text 1"/>
+            <a:endParaRPr lang="en-US" sz="3600" dirty="0"/>
+          </a:p>
+        </p:txBody>
+      </p:sp>
+      <p:sp>
+        <p:nvSpPr>
+          <p:cNvPr id="4" name="Text 2"/>
           <p:cNvSpPr/>
           <p:nvPr/>
         </p:nvSpPr>
@@ -1804,7 +1872,7 @@
             <a:r>
               <a:rPr lang="en-US" sz="3600" dirty="0">
                 <a:solidFill>
-                  <a:srgbClr val="000000"/>
+                  <a:srgbClr val="808080"/>
                 </a:solidFill>
               </a:rPr>
               <a:t>murder, homicide, manslaughter...</a:t>
@@ -1815,32 +1883,32 @@
       </p:sp>
       <p:sp>
         <p:nvSpPr>
-          <p:cNvPr id="4" name="Text 2"/>
-          <p:cNvSpPr/>
-          <p:nvPr/>
-        </p:nvSpPr>
-        <p:spPr>
-          <a:xfrm>
-            <a:off x="0" y="4572000"/>
-            <a:ext cx="7315200" cy="1828800"/>
-          </a:xfrm>
-          <a:prstGeom prst="rect">
-            <a:avLst/>
-          </a:prstGeom>
-          <a:noFill/>
-          <a:ln/>
-        </p:spPr>
-        <p:txBody>
-          <a:bodyPr wrap="square" rtlCol="0" anchor="ctr"/>
-          <a:lstStyle/>
-          <a:p>
-            <a:pPr algn="l" indent="0" marL="0">
+          <p:cNvPr id="5" name="Text 3"/>
+          <p:cNvSpPr/>
+          <p:nvPr/>
+        </p:nvSpPr>
+        <p:spPr>
+          <a:xfrm>
+            <a:off x="0" y="3657600"/>
+            <a:ext cx="8686800" cy="1828800"/>
+          </a:xfrm>
+          <a:prstGeom prst="rect">
+            <a:avLst/>
+          </a:prstGeom>
+          <a:noFill/>
+          <a:ln/>
+        </p:spPr>
+        <p:txBody>
+          <a:bodyPr wrap="square" rtlCol="0" anchor="ctr"/>
+          <a:lstStyle/>
+          <a:p>
+            <a:pPr algn="r" indent="0" marL="0">
               <a:buNone/>
             </a:pPr>
             <a:r>
               <a:rPr lang="en-US" sz="2400" dirty="0">
                 <a:solidFill>
-                  <a:srgbClr val="000000"/>
+                  <a:srgbClr val="808080"/>
                 </a:solidFill>
               </a:rPr>
               <a:t>67-68</a:t>
@@ -1882,6 +1950,42 @@
         </p:nvSpPr>
         <p:spPr>
           <a:xfrm>
+            <a:off x="0" y="548640"/>
+            <a:ext cx="9144000" cy="1828800"/>
+          </a:xfrm>
+          <a:prstGeom prst="rect">
+            <a:avLst/>
+          </a:prstGeom>
+          <a:noFill/>
+          <a:ln/>
+        </p:spPr>
+        <p:txBody>
+          <a:bodyPr wrap="square" rtlCol="0" anchor="ctr"/>
+          <a:lstStyle/>
+          <a:p>
+            <a:pPr algn="ctr" indent="0" marL="0">
+              <a:buNone/>
+            </a:pPr>
+            <a:r>
+              <a:rPr lang="en-US" sz="4800" dirty="0">
+                <a:solidFill>
+                  <a:srgbClr val="000000"/>
+                </a:solidFill>
+              </a:rPr>
+              <a:t>農薬</a:t>
+            </a:r>
+            <a:endParaRPr lang="en-US" sz="4800" dirty="0"/>
+          </a:p>
+        </p:txBody>
+      </p:sp>
+      <p:sp>
+        <p:nvSpPr>
+          <p:cNvPr id="3" name="Text 1"/>
+          <p:cNvSpPr/>
+          <p:nvPr/>
+        </p:nvSpPr>
+        <p:spPr>
+          <a:xfrm>
             <a:off x="0" y="914400"/>
             <a:ext cx="9144000" cy="1828800"/>
           </a:xfrm>
@@ -1898,35 +2002,33 @@
             <a:pPr algn="ctr" indent="0" marL="0">
               <a:buNone/>
             </a:pPr>
-            <a:r>
-              <a:rPr lang="en-US" sz="4800" dirty="0">
-                <a:solidFill>
-                  <a:srgbClr val="000000"/>
-                </a:solidFill>
-              </a:rPr>
-              <a:t>農薬</a:t>
-            </a:r>
-            <a:endParaRPr lang="en-US" sz="4800" dirty="0"/>
-          </a:p>
-          <a:p>
-            <a:pPr algn="ctr" indent="0" marL="0">
-              <a:buNone/>
-            </a:pPr>
-            <a:r>
-              <a:rPr lang="en-US" sz="4800" dirty="0">
-                <a:solidFill>
-                  <a:srgbClr val="000000"/>
+            <a:endParaRPr lang="en-US" sz="3600" dirty="0"/>
+          </a:p>
+          <a:p>
+            <a:pPr algn="ctr" indent="0" marL="0">
+              <a:buNone/>
+            </a:pPr>
+            <a:endParaRPr lang="en-US" sz="3600" dirty="0"/>
+          </a:p>
+          <a:p>
+            <a:pPr algn="ctr" indent="0" marL="0">
+              <a:buNone/>
+            </a:pPr>
+            <a:r>
+              <a:rPr lang="en-US" sz="3600" dirty="0">
+                <a:solidFill>
+                  <a:srgbClr val="404040"/>
                 </a:solidFill>
               </a:rPr>
               <a:t>のうやく</a:t>
             </a:r>
-            <a:endParaRPr lang="en-US" sz="4800" dirty="0"/>
-          </a:p>
-        </p:txBody>
-      </p:sp>
-      <p:sp>
-        <p:nvSpPr>
-          <p:cNvPr id="3" name="Text 1"/>
+            <a:endParaRPr lang="en-US" sz="3600" dirty="0"/>
+          </a:p>
+        </p:txBody>
+      </p:sp>
+      <p:sp>
+        <p:nvSpPr>
+          <p:cNvPr id="4" name="Text 2"/>
           <p:cNvSpPr/>
           <p:nvPr/>
         </p:nvSpPr>
@@ -1951,7 +2053,7 @@
             <a:r>
               <a:rPr lang="en-US" sz="3600" dirty="0">
                 <a:solidFill>
-                  <a:srgbClr val="000000"/>
+                  <a:srgbClr val="808080"/>
                 </a:solidFill>
               </a:rPr>
               <a:t>agricultural chemical (i.e. pesticide, herbicide, fungicide, etc.), agrochemical, agrichemical...</a:t>
@@ -1962,32 +2064,32 @@
       </p:sp>
       <p:sp>
         <p:nvSpPr>
-          <p:cNvPr id="4" name="Text 2"/>
-          <p:cNvSpPr/>
-          <p:nvPr/>
-        </p:nvSpPr>
-        <p:spPr>
-          <a:xfrm>
-            <a:off x="0" y="4572000"/>
-            <a:ext cx="7315200" cy="1828800"/>
-          </a:xfrm>
-          <a:prstGeom prst="rect">
-            <a:avLst/>
-          </a:prstGeom>
-          <a:noFill/>
-          <a:ln/>
-        </p:spPr>
-        <p:txBody>
-          <a:bodyPr wrap="square" rtlCol="0" anchor="ctr"/>
-          <a:lstStyle/>
-          <a:p>
-            <a:pPr algn="l" indent="0" marL="0">
+          <p:cNvPr id="5" name="Text 3"/>
+          <p:cNvSpPr/>
+          <p:nvPr/>
+        </p:nvSpPr>
+        <p:spPr>
+          <a:xfrm>
+            <a:off x="0" y="3657600"/>
+            <a:ext cx="8686800" cy="1828800"/>
+          </a:xfrm>
+          <a:prstGeom prst="rect">
+            <a:avLst/>
+          </a:prstGeom>
+          <a:noFill/>
+          <a:ln/>
+        </p:spPr>
+        <p:txBody>
+          <a:bodyPr wrap="square" rtlCol="0" anchor="ctr"/>
+          <a:lstStyle/>
+          <a:p>
+            <a:pPr algn="r" indent="0" marL="0">
               <a:buNone/>
             </a:pPr>
             <a:r>
               <a:rPr lang="en-US" sz="2400" dirty="0">
                 <a:solidFill>
-                  <a:srgbClr val="000000"/>
+                  <a:srgbClr val="808080"/>
                 </a:solidFill>
               </a:rPr>
               <a:t>67-68</a:t>
@@ -2029,6 +2131,42 @@
         </p:nvSpPr>
         <p:spPr>
           <a:xfrm>
+            <a:off x="0" y="548640"/>
+            <a:ext cx="9144000" cy="1828800"/>
+          </a:xfrm>
+          <a:prstGeom prst="rect">
+            <a:avLst/>
+          </a:prstGeom>
+          <a:noFill/>
+          <a:ln/>
+        </p:spPr>
+        <p:txBody>
+          <a:bodyPr wrap="square" rtlCol="0" anchor="ctr"/>
+          <a:lstStyle/>
+          <a:p>
+            <a:pPr algn="ctr" indent="0" marL="0">
+              <a:buNone/>
+            </a:pPr>
+            <a:r>
+              <a:rPr lang="en-US" sz="4800" dirty="0">
+                <a:solidFill>
+                  <a:srgbClr val="000000"/>
+                </a:solidFill>
+              </a:rPr>
+              <a:t>収入印紙</a:t>
+            </a:r>
+            <a:endParaRPr lang="en-US" sz="4800" dirty="0"/>
+          </a:p>
+        </p:txBody>
+      </p:sp>
+      <p:sp>
+        <p:nvSpPr>
+          <p:cNvPr id="3" name="Text 1"/>
+          <p:cNvSpPr/>
+          <p:nvPr/>
+        </p:nvSpPr>
+        <p:spPr>
+          <a:xfrm>
             <a:off x="0" y="914400"/>
             <a:ext cx="9144000" cy="1828800"/>
           </a:xfrm>
@@ -2045,35 +2183,33 @@
             <a:pPr algn="ctr" indent="0" marL="0">
               <a:buNone/>
             </a:pPr>
-            <a:r>
-              <a:rPr lang="en-US" sz="4800" dirty="0">
-                <a:solidFill>
-                  <a:srgbClr val="000000"/>
-                </a:solidFill>
-              </a:rPr>
-              <a:t>収入印紙</a:t>
-            </a:r>
-            <a:endParaRPr lang="en-US" sz="4800" dirty="0"/>
-          </a:p>
-          <a:p>
-            <a:pPr algn="ctr" indent="0" marL="0">
-              <a:buNone/>
-            </a:pPr>
-            <a:r>
-              <a:rPr lang="en-US" sz="4800" dirty="0">
-                <a:solidFill>
-                  <a:srgbClr val="000000"/>
+            <a:endParaRPr lang="en-US" sz="3600" dirty="0"/>
+          </a:p>
+          <a:p>
+            <a:pPr algn="ctr" indent="0" marL="0">
+              <a:buNone/>
+            </a:pPr>
+            <a:endParaRPr lang="en-US" sz="3600" dirty="0"/>
+          </a:p>
+          <a:p>
+            <a:pPr algn="ctr" indent="0" marL="0">
+              <a:buNone/>
+            </a:pPr>
+            <a:r>
+              <a:rPr lang="en-US" sz="3600" dirty="0">
+                <a:solidFill>
+                  <a:srgbClr val="404040"/>
                 </a:solidFill>
               </a:rPr>
               <a:t>しゅうにゅういんし</a:t>
             </a:r>
-            <a:endParaRPr lang="en-US" sz="4800" dirty="0"/>
-          </a:p>
-        </p:txBody>
-      </p:sp>
-      <p:sp>
-        <p:nvSpPr>
-          <p:cNvPr id="3" name="Text 1"/>
+            <a:endParaRPr lang="en-US" sz="3600" dirty="0"/>
+          </a:p>
+        </p:txBody>
+      </p:sp>
+      <p:sp>
+        <p:nvSpPr>
+          <p:cNvPr id="4" name="Text 2"/>
           <p:cNvSpPr/>
           <p:nvPr/>
         </p:nvSpPr>
@@ -2098,7 +2234,7 @@
             <a:r>
               <a:rPr lang="en-US" sz="3600" dirty="0">
                 <a:solidFill>
-                  <a:srgbClr val="000000"/>
+                  <a:srgbClr val="808080"/>
                 </a:solidFill>
               </a:rPr>
               <a:t>revenue stamp...</a:t>
@@ -2109,32 +2245,32 @@
       </p:sp>
       <p:sp>
         <p:nvSpPr>
-          <p:cNvPr id="4" name="Text 2"/>
-          <p:cNvSpPr/>
-          <p:nvPr/>
-        </p:nvSpPr>
-        <p:spPr>
-          <a:xfrm>
-            <a:off x="0" y="4572000"/>
-            <a:ext cx="7315200" cy="1828800"/>
-          </a:xfrm>
-          <a:prstGeom prst="rect">
-            <a:avLst/>
-          </a:prstGeom>
-          <a:noFill/>
-          <a:ln/>
-        </p:spPr>
-        <p:txBody>
-          <a:bodyPr wrap="square" rtlCol="0" anchor="ctr"/>
-          <a:lstStyle/>
-          <a:p>
-            <a:pPr algn="l" indent="0" marL="0">
+          <p:cNvPr id="5" name="Text 3"/>
+          <p:cNvSpPr/>
+          <p:nvPr/>
+        </p:nvSpPr>
+        <p:spPr>
+          <a:xfrm>
+            <a:off x="0" y="3657600"/>
+            <a:ext cx="8686800" cy="1828800"/>
+          </a:xfrm>
+          <a:prstGeom prst="rect">
+            <a:avLst/>
+          </a:prstGeom>
+          <a:noFill/>
+          <a:ln/>
+        </p:spPr>
+        <p:txBody>
+          <a:bodyPr wrap="square" rtlCol="0" anchor="ctr"/>
+          <a:lstStyle/>
+          <a:p>
+            <a:pPr algn="r" indent="0" marL="0">
               <a:buNone/>
             </a:pPr>
             <a:r>
               <a:rPr lang="en-US" sz="2400" dirty="0">
                 <a:solidFill>
-                  <a:srgbClr val="000000"/>
+                  <a:srgbClr val="808080"/>
                 </a:solidFill>
               </a:rPr>
               <a:t>67-68</a:t>
@@ -2176,6 +2312,42 @@
         </p:nvSpPr>
         <p:spPr>
           <a:xfrm>
+            <a:off x="0" y="548640"/>
+            <a:ext cx="9144000" cy="1828800"/>
+          </a:xfrm>
+          <a:prstGeom prst="rect">
+            <a:avLst/>
+          </a:prstGeom>
+          <a:noFill/>
+          <a:ln/>
+        </p:spPr>
+        <p:txBody>
+          <a:bodyPr wrap="square" rtlCol="0" anchor="ctr"/>
+          <a:lstStyle/>
+          <a:p>
+            <a:pPr algn="ctr" indent="0" marL="0">
+              <a:buNone/>
+            </a:pPr>
+            <a:r>
+              <a:rPr lang="en-US" sz="4800" dirty="0">
+                <a:solidFill>
+                  <a:srgbClr val="000000"/>
+                </a:solidFill>
+              </a:rPr>
+              <a:t>収穫</a:t>
+            </a:r>
+            <a:endParaRPr lang="en-US" sz="4800" dirty="0"/>
+          </a:p>
+        </p:txBody>
+      </p:sp>
+      <p:sp>
+        <p:nvSpPr>
+          <p:cNvPr id="3" name="Text 1"/>
+          <p:cNvSpPr/>
+          <p:nvPr/>
+        </p:nvSpPr>
+        <p:spPr>
+          <a:xfrm>
             <a:off x="0" y="914400"/>
             <a:ext cx="9144000" cy="1828800"/>
           </a:xfrm>
@@ -2192,35 +2364,33 @@
             <a:pPr algn="ctr" indent="0" marL="0">
               <a:buNone/>
             </a:pPr>
-            <a:r>
-              <a:rPr lang="en-US" sz="4800" dirty="0">
-                <a:solidFill>
-                  <a:srgbClr val="000000"/>
-                </a:solidFill>
-              </a:rPr>
-              <a:t>収穫</a:t>
-            </a:r>
-            <a:endParaRPr lang="en-US" sz="4800" dirty="0"/>
-          </a:p>
-          <a:p>
-            <a:pPr algn="ctr" indent="0" marL="0">
-              <a:buNone/>
-            </a:pPr>
-            <a:r>
-              <a:rPr lang="en-US" sz="4800" dirty="0">
-                <a:solidFill>
-                  <a:srgbClr val="000000"/>
+            <a:endParaRPr lang="en-US" sz="3600" dirty="0"/>
+          </a:p>
+          <a:p>
+            <a:pPr algn="ctr" indent="0" marL="0">
+              <a:buNone/>
+            </a:pPr>
+            <a:endParaRPr lang="en-US" sz="3600" dirty="0"/>
+          </a:p>
+          <a:p>
+            <a:pPr algn="ctr" indent="0" marL="0">
+              <a:buNone/>
+            </a:pPr>
+            <a:r>
+              <a:rPr lang="en-US" sz="3600" dirty="0">
+                <a:solidFill>
+                  <a:srgbClr val="404040"/>
                 </a:solidFill>
               </a:rPr>
               <a:t>しゅうかく</a:t>
             </a:r>
-            <a:endParaRPr lang="en-US" sz="4800" dirty="0"/>
-          </a:p>
-        </p:txBody>
-      </p:sp>
-      <p:sp>
-        <p:nvSpPr>
-          <p:cNvPr id="3" name="Text 1"/>
+            <a:endParaRPr lang="en-US" sz="3600" dirty="0"/>
+          </a:p>
+        </p:txBody>
+      </p:sp>
+      <p:sp>
+        <p:nvSpPr>
+          <p:cNvPr id="4" name="Text 2"/>
           <p:cNvSpPr/>
           <p:nvPr/>
         </p:nvSpPr>
@@ -2245,7 +2415,7 @@
             <a:r>
               <a:rPr lang="en-US" sz="3600" dirty="0">
                 <a:solidFill>
-                  <a:srgbClr val="000000"/>
+                  <a:srgbClr val="808080"/>
                 </a:solidFill>
               </a:rPr>
               <a:t>harvest, crop, ingathering | fruits (of one's labors), gain, result, returns...</a:t>
@@ -2256,32 +2426,32 @@
       </p:sp>
       <p:sp>
         <p:nvSpPr>
-          <p:cNvPr id="4" name="Text 2"/>
-          <p:cNvSpPr/>
-          <p:nvPr/>
-        </p:nvSpPr>
-        <p:spPr>
-          <a:xfrm>
-            <a:off x="0" y="4572000"/>
-            <a:ext cx="7315200" cy="1828800"/>
-          </a:xfrm>
-          <a:prstGeom prst="rect">
-            <a:avLst/>
-          </a:prstGeom>
-          <a:noFill/>
-          <a:ln/>
-        </p:spPr>
-        <p:txBody>
-          <a:bodyPr wrap="square" rtlCol="0" anchor="ctr"/>
-          <a:lstStyle/>
-          <a:p>
-            <a:pPr algn="l" indent="0" marL="0">
+          <p:cNvPr id="5" name="Text 3"/>
+          <p:cNvSpPr/>
+          <p:nvPr/>
+        </p:nvSpPr>
+        <p:spPr>
+          <a:xfrm>
+            <a:off x="0" y="3657600"/>
+            <a:ext cx="8686800" cy="1828800"/>
+          </a:xfrm>
+          <a:prstGeom prst="rect">
+            <a:avLst/>
+          </a:prstGeom>
+          <a:noFill/>
+          <a:ln/>
+        </p:spPr>
+        <p:txBody>
+          <a:bodyPr wrap="square" rtlCol="0" anchor="ctr"/>
+          <a:lstStyle/>
+          <a:p>
+            <a:pPr algn="r" indent="0" marL="0">
               <a:buNone/>
             </a:pPr>
             <a:r>
               <a:rPr lang="en-US" sz="2400" dirty="0">
                 <a:solidFill>
-                  <a:srgbClr val="000000"/>
+                  <a:srgbClr val="808080"/>
                 </a:solidFill>
               </a:rPr>
               <a:t>67-68</a:t>
@@ -2323,6 +2493,42 @@
         </p:nvSpPr>
         <p:spPr>
           <a:xfrm>
+            <a:off x="0" y="548640"/>
+            <a:ext cx="9144000" cy="1828800"/>
+          </a:xfrm>
+          <a:prstGeom prst="rect">
+            <a:avLst/>
+          </a:prstGeom>
+          <a:noFill/>
+          <a:ln/>
+        </p:spPr>
+        <p:txBody>
+          <a:bodyPr wrap="square" rtlCol="0" anchor="ctr"/>
+          <a:lstStyle/>
+          <a:p>
+            <a:pPr algn="ctr" indent="0" marL="0">
+              <a:buNone/>
+            </a:pPr>
+            <a:r>
+              <a:rPr lang="en-US" sz="4800" dirty="0">
+                <a:solidFill>
+                  <a:srgbClr val="000000"/>
+                </a:solidFill>
+              </a:rPr>
+              <a:t>少量</a:t>
+            </a:r>
+            <a:endParaRPr lang="en-US" sz="4800" dirty="0"/>
+          </a:p>
+        </p:txBody>
+      </p:sp>
+      <p:sp>
+        <p:nvSpPr>
+          <p:cNvPr id="3" name="Text 1"/>
+          <p:cNvSpPr/>
+          <p:nvPr/>
+        </p:nvSpPr>
+        <p:spPr>
+          <a:xfrm>
             <a:off x="0" y="914400"/>
             <a:ext cx="9144000" cy="1828800"/>
           </a:xfrm>
@@ -2339,35 +2545,33 @@
             <a:pPr algn="ctr" indent="0" marL="0">
               <a:buNone/>
             </a:pPr>
-            <a:r>
-              <a:rPr lang="en-US" sz="4800" dirty="0">
-                <a:solidFill>
-                  <a:srgbClr val="000000"/>
-                </a:solidFill>
-              </a:rPr>
-              <a:t>少量</a:t>
-            </a:r>
-            <a:endParaRPr lang="en-US" sz="4800" dirty="0"/>
-          </a:p>
-          <a:p>
-            <a:pPr algn="ctr" indent="0" marL="0">
-              <a:buNone/>
-            </a:pPr>
-            <a:r>
-              <a:rPr lang="en-US" sz="4800" dirty="0">
-                <a:solidFill>
-                  <a:srgbClr val="000000"/>
+            <a:endParaRPr lang="en-US" sz="3600" dirty="0"/>
+          </a:p>
+          <a:p>
+            <a:pPr algn="ctr" indent="0" marL="0">
+              <a:buNone/>
+            </a:pPr>
+            <a:endParaRPr lang="en-US" sz="3600" dirty="0"/>
+          </a:p>
+          <a:p>
+            <a:pPr algn="ctr" indent="0" marL="0">
+              <a:buNone/>
+            </a:pPr>
+            <a:r>
+              <a:rPr lang="en-US" sz="3600" dirty="0">
+                <a:solidFill>
+                  <a:srgbClr val="404040"/>
                 </a:solidFill>
               </a:rPr>
               <a:t>しょうりょう</a:t>
             </a:r>
-            <a:endParaRPr lang="en-US" sz="4800" dirty="0"/>
-          </a:p>
-        </p:txBody>
-      </p:sp>
-      <p:sp>
-        <p:nvSpPr>
-          <p:cNvPr id="3" name="Text 1"/>
+            <a:endParaRPr lang="en-US" sz="3600" dirty="0"/>
+          </a:p>
+        </p:txBody>
+      </p:sp>
+      <p:sp>
+        <p:nvSpPr>
+          <p:cNvPr id="4" name="Text 2"/>
           <p:cNvSpPr/>
           <p:nvPr/>
         </p:nvSpPr>
@@ -2392,7 +2596,7 @@
             <a:r>
               <a:rPr lang="en-US" sz="3600" dirty="0">
                 <a:solidFill>
-                  <a:srgbClr val="000000"/>
+                  <a:srgbClr val="808080"/>
                 </a:solidFill>
               </a:rPr>
               <a:t>small quantity, small amount | narrowmindedness...</a:t>
@@ -2403,32 +2607,32 @@
       </p:sp>
       <p:sp>
         <p:nvSpPr>
-          <p:cNvPr id="4" name="Text 2"/>
-          <p:cNvSpPr/>
-          <p:nvPr/>
-        </p:nvSpPr>
-        <p:spPr>
-          <a:xfrm>
-            <a:off x="0" y="4572000"/>
-            <a:ext cx="7315200" cy="1828800"/>
-          </a:xfrm>
-          <a:prstGeom prst="rect">
-            <a:avLst/>
-          </a:prstGeom>
-          <a:noFill/>
-          <a:ln/>
-        </p:spPr>
-        <p:txBody>
-          <a:bodyPr wrap="square" rtlCol="0" anchor="ctr"/>
-          <a:lstStyle/>
-          <a:p>
-            <a:pPr algn="l" indent="0" marL="0">
+          <p:cNvPr id="5" name="Text 3"/>
+          <p:cNvSpPr/>
+          <p:nvPr/>
+        </p:nvSpPr>
+        <p:spPr>
+          <a:xfrm>
+            <a:off x="0" y="3657600"/>
+            <a:ext cx="8686800" cy="1828800"/>
+          </a:xfrm>
+          <a:prstGeom prst="rect">
+            <a:avLst/>
+          </a:prstGeom>
+          <a:noFill/>
+          <a:ln/>
+        </p:spPr>
+        <p:txBody>
+          <a:bodyPr wrap="square" rtlCol="0" anchor="ctr"/>
+          <a:lstStyle/>
+          <a:p>
+            <a:pPr algn="r" indent="0" marL="0">
               <a:buNone/>
             </a:pPr>
             <a:r>
               <a:rPr lang="en-US" sz="2400" dirty="0">
                 <a:solidFill>
-                  <a:srgbClr val="000000"/>
+                  <a:srgbClr val="808080"/>
                 </a:solidFill>
               </a:rPr>
               <a:t>67-68</a:t>
@@ -2470,6 +2674,42 @@
         </p:nvSpPr>
         <p:spPr>
           <a:xfrm>
+            <a:off x="0" y="548640"/>
+            <a:ext cx="9144000" cy="1828800"/>
+          </a:xfrm>
+          <a:prstGeom prst="rect">
+            <a:avLst/>
+          </a:prstGeom>
+          <a:noFill/>
+          <a:ln/>
+        </p:spPr>
+        <p:txBody>
+          <a:bodyPr wrap="square" rtlCol="0" anchor="ctr"/>
+          <a:lstStyle/>
+          <a:p>
+            <a:pPr algn="ctr" indent="0" marL="0">
+              <a:buNone/>
+            </a:pPr>
+            <a:r>
+              <a:rPr lang="en-US" sz="4800" dirty="0">
+                <a:solidFill>
+                  <a:srgbClr val="000000"/>
+                </a:solidFill>
+              </a:rPr>
+              <a:t>完全</a:t>
+            </a:r>
+            <a:endParaRPr lang="en-US" sz="4800" dirty="0"/>
+          </a:p>
+        </p:txBody>
+      </p:sp>
+      <p:sp>
+        <p:nvSpPr>
+          <p:cNvPr id="3" name="Text 1"/>
+          <p:cNvSpPr/>
+          <p:nvPr/>
+        </p:nvSpPr>
+        <p:spPr>
+          <a:xfrm>
             <a:off x="0" y="914400"/>
             <a:ext cx="9144000" cy="1828800"/>
           </a:xfrm>
@@ -2486,35 +2726,33 @@
             <a:pPr algn="ctr" indent="0" marL="0">
               <a:buNone/>
             </a:pPr>
-            <a:r>
-              <a:rPr lang="en-US" sz="4800" dirty="0">
-                <a:solidFill>
-                  <a:srgbClr val="000000"/>
-                </a:solidFill>
-              </a:rPr>
-              <a:t>完全</a:t>
-            </a:r>
-            <a:endParaRPr lang="en-US" sz="4800" dirty="0"/>
-          </a:p>
-          <a:p>
-            <a:pPr algn="ctr" indent="0" marL="0">
-              <a:buNone/>
-            </a:pPr>
-            <a:r>
-              <a:rPr lang="en-US" sz="4800" dirty="0">
-                <a:solidFill>
-                  <a:srgbClr val="000000"/>
+            <a:endParaRPr lang="en-US" sz="3600" dirty="0"/>
+          </a:p>
+          <a:p>
+            <a:pPr algn="ctr" indent="0" marL="0">
+              <a:buNone/>
+            </a:pPr>
+            <a:endParaRPr lang="en-US" sz="3600" dirty="0"/>
+          </a:p>
+          <a:p>
+            <a:pPr algn="ctr" indent="0" marL="0">
+              <a:buNone/>
+            </a:pPr>
+            <a:r>
+              <a:rPr lang="en-US" sz="3600" dirty="0">
+                <a:solidFill>
+                  <a:srgbClr val="404040"/>
                 </a:solidFill>
               </a:rPr>
               <a:t>かんぜん</a:t>
             </a:r>
-            <a:endParaRPr lang="en-US" sz="4800" dirty="0"/>
-          </a:p>
-        </p:txBody>
-      </p:sp>
-      <p:sp>
-        <p:nvSpPr>
-          <p:cNvPr id="3" name="Text 1"/>
+            <a:endParaRPr lang="en-US" sz="3600" dirty="0"/>
+          </a:p>
+        </p:txBody>
+      </p:sp>
+      <p:sp>
+        <p:nvSpPr>
+          <p:cNvPr id="4" name="Text 2"/>
           <p:cNvSpPr/>
           <p:nvPr/>
         </p:nvSpPr>
@@ -2539,7 +2777,7 @@
             <a:r>
               <a:rPr lang="en-US" sz="3600" dirty="0">
                 <a:solidFill>
-                  <a:srgbClr val="000000"/>
+                  <a:srgbClr val="808080"/>
                 </a:solidFill>
               </a:rPr>
               <a:t>perfect, complete...</a:t>
@@ -2550,32 +2788,32 @@
       </p:sp>
       <p:sp>
         <p:nvSpPr>
-          <p:cNvPr id="4" name="Text 2"/>
-          <p:cNvSpPr/>
-          <p:nvPr/>
-        </p:nvSpPr>
-        <p:spPr>
-          <a:xfrm>
-            <a:off x="0" y="4572000"/>
-            <a:ext cx="7315200" cy="1828800"/>
-          </a:xfrm>
-          <a:prstGeom prst="rect">
-            <a:avLst/>
-          </a:prstGeom>
-          <a:noFill/>
-          <a:ln/>
-        </p:spPr>
-        <p:txBody>
-          <a:bodyPr wrap="square" rtlCol="0" anchor="ctr"/>
-          <a:lstStyle/>
-          <a:p>
-            <a:pPr algn="l" indent="0" marL="0">
+          <p:cNvPr id="5" name="Text 3"/>
+          <p:cNvSpPr/>
+          <p:nvPr/>
+        </p:nvSpPr>
+        <p:spPr>
+          <a:xfrm>
+            <a:off x="0" y="3657600"/>
+            <a:ext cx="8686800" cy="1828800"/>
+          </a:xfrm>
+          <a:prstGeom prst="rect">
+            <a:avLst/>
+          </a:prstGeom>
+          <a:noFill/>
+          <a:ln/>
+        </p:spPr>
+        <p:txBody>
+          <a:bodyPr wrap="square" rtlCol="0" anchor="ctr"/>
+          <a:lstStyle/>
+          <a:p>
+            <a:pPr algn="r" indent="0" marL="0">
               <a:buNone/>
             </a:pPr>
             <a:r>
               <a:rPr lang="en-US" sz="2400" dirty="0">
                 <a:solidFill>
-                  <a:srgbClr val="000000"/>
+                  <a:srgbClr val="808080"/>
                 </a:solidFill>
               </a:rPr>
               <a:t>67-68</a:t>
@@ -2617,6 +2855,42 @@
         </p:nvSpPr>
         <p:spPr>
           <a:xfrm>
+            <a:off x="0" y="548640"/>
+            <a:ext cx="9144000" cy="1828800"/>
+          </a:xfrm>
+          <a:prstGeom prst="rect">
+            <a:avLst/>
+          </a:prstGeom>
+          <a:noFill/>
+          <a:ln/>
+        </p:spPr>
+        <p:txBody>
+          <a:bodyPr wrap="square" rtlCol="0" anchor="ctr"/>
+          <a:lstStyle/>
+          <a:p>
+            <a:pPr algn="ctr" indent="0" marL="0">
+              <a:buNone/>
+            </a:pPr>
+            <a:r>
+              <a:rPr lang="en-US" sz="4800" dirty="0">
+                <a:solidFill>
+                  <a:srgbClr val="000000"/>
+                </a:solidFill>
+              </a:rPr>
+              <a:t>原因</a:t>
+            </a:r>
+            <a:endParaRPr lang="en-US" sz="4800" dirty="0"/>
+          </a:p>
+        </p:txBody>
+      </p:sp>
+      <p:sp>
+        <p:nvSpPr>
+          <p:cNvPr id="3" name="Text 1"/>
+          <p:cNvSpPr/>
+          <p:nvPr/>
+        </p:nvSpPr>
+        <p:spPr>
+          <a:xfrm>
             <a:off x="0" y="914400"/>
             <a:ext cx="9144000" cy="1828800"/>
           </a:xfrm>
@@ -2633,35 +2907,33 @@
             <a:pPr algn="ctr" indent="0" marL="0">
               <a:buNone/>
             </a:pPr>
-            <a:r>
-              <a:rPr lang="en-US" sz="4800" dirty="0">
-                <a:solidFill>
-                  <a:srgbClr val="000000"/>
-                </a:solidFill>
-              </a:rPr>
-              <a:t>原因</a:t>
-            </a:r>
-            <a:endParaRPr lang="en-US" sz="4800" dirty="0"/>
-          </a:p>
-          <a:p>
-            <a:pPr algn="ctr" indent="0" marL="0">
-              <a:buNone/>
-            </a:pPr>
-            <a:r>
-              <a:rPr lang="en-US" sz="4800" dirty="0">
-                <a:solidFill>
-                  <a:srgbClr val="000000"/>
+            <a:endParaRPr lang="en-US" sz="3600" dirty="0"/>
+          </a:p>
+          <a:p>
+            <a:pPr algn="ctr" indent="0" marL="0">
+              <a:buNone/>
+            </a:pPr>
+            <a:endParaRPr lang="en-US" sz="3600" dirty="0"/>
+          </a:p>
+          <a:p>
+            <a:pPr algn="ctr" indent="0" marL="0">
+              <a:buNone/>
+            </a:pPr>
+            <a:r>
+              <a:rPr lang="en-US" sz="3600" dirty="0">
+                <a:solidFill>
+                  <a:srgbClr val="404040"/>
                 </a:solidFill>
               </a:rPr>
               <a:t>げんいん</a:t>
             </a:r>
-            <a:endParaRPr lang="en-US" sz="4800" dirty="0"/>
-          </a:p>
-        </p:txBody>
-      </p:sp>
-      <p:sp>
-        <p:nvSpPr>
-          <p:cNvPr id="3" name="Text 1"/>
+            <a:endParaRPr lang="en-US" sz="3600" dirty="0"/>
+          </a:p>
+        </p:txBody>
+      </p:sp>
+      <p:sp>
+        <p:nvSpPr>
+          <p:cNvPr id="4" name="Text 2"/>
           <p:cNvSpPr/>
           <p:nvPr/>
         </p:nvSpPr>
@@ -2686,7 +2958,7 @@
             <a:r>
               <a:rPr lang="en-US" sz="3600" dirty="0">
                 <a:solidFill>
-                  <a:srgbClr val="000000"/>
+                  <a:srgbClr val="808080"/>
                 </a:solidFill>
               </a:rPr>
               <a:t>cause, origin, source...</a:t>
@@ -2697,32 +2969,32 @@
       </p:sp>
       <p:sp>
         <p:nvSpPr>
-          <p:cNvPr id="4" name="Text 2"/>
-          <p:cNvSpPr/>
-          <p:nvPr/>
-        </p:nvSpPr>
-        <p:spPr>
-          <a:xfrm>
-            <a:off x="0" y="4572000"/>
-            <a:ext cx="7315200" cy="1828800"/>
-          </a:xfrm>
-          <a:prstGeom prst="rect">
-            <a:avLst/>
-          </a:prstGeom>
-          <a:noFill/>
-          <a:ln/>
-        </p:spPr>
-        <p:txBody>
-          <a:bodyPr wrap="square" rtlCol="0" anchor="ctr"/>
-          <a:lstStyle/>
-          <a:p>
-            <a:pPr algn="l" indent="0" marL="0">
+          <p:cNvPr id="5" name="Text 3"/>
+          <p:cNvSpPr/>
+          <p:nvPr/>
+        </p:nvSpPr>
+        <p:spPr>
+          <a:xfrm>
+            <a:off x="0" y="3657600"/>
+            <a:ext cx="8686800" cy="1828800"/>
+          </a:xfrm>
+          <a:prstGeom prst="rect">
+            <a:avLst/>
+          </a:prstGeom>
+          <a:noFill/>
+          <a:ln/>
+        </p:spPr>
+        <p:txBody>
+          <a:bodyPr wrap="square" rtlCol="0" anchor="ctr"/>
+          <a:lstStyle/>
+          <a:p>
+            <a:pPr algn="r" indent="0" marL="0">
               <a:buNone/>
             </a:pPr>
             <a:r>
               <a:rPr lang="en-US" sz="2400" dirty="0">
                 <a:solidFill>
-                  <a:srgbClr val="000000"/>
+                  <a:srgbClr val="808080"/>
                 </a:solidFill>
               </a:rPr>
               <a:t>67-68</a:t>
@@ -2764,6 +3036,42 @@
         </p:nvSpPr>
         <p:spPr>
           <a:xfrm>
+            <a:off x="0" y="548640"/>
+            <a:ext cx="9144000" cy="1828800"/>
+          </a:xfrm>
+          <a:prstGeom prst="rect">
+            <a:avLst/>
+          </a:prstGeom>
+          <a:noFill/>
+          <a:ln/>
+        </p:spPr>
+        <p:txBody>
+          <a:bodyPr wrap="square" rtlCol="0" anchor="ctr"/>
+          <a:lstStyle/>
+          <a:p>
+            <a:pPr algn="ctr" indent="0" marL="0">
+              <a:buNone/>
+            </a:pPr>
+            <a:r>
+              <a:rPr lang="en-US" sz="4800" dirty="0">
+                <a:solidFill>
+                  <a:srgbClr val="000000"/>
+                </a:solidFill>
+              </a:rPr>
+              <a:t>一環</a:t>
+            </a:r>
+            <a:endParaRPr lang="en-US" sz="4800" dirty="0"/>
+          </a:p>
+        </p:txBody>
+      </p:sp>
+      <p:sp>
+        <p:nvSpPr>
+          <p:cNvPr id="3" name="Text 1"/>
+          <p:cNvSpPr/>
+          <p:nvPr/>
+        </p:nvSpPr>
+        <p:spPr>
+          <a:xfrm>
             <a:off x="0" y="914400"/>
             <a:ext cx="9144000" cy="1828800"/>
           </a:xfrm>
@@ -2780,35 +3088,33 @@
             <a:pPr algn="ctr" indent="0" marL="0">
               <a:buNone/>
             </a:pPr>
-            <a:r>
-              <a:rPr lang="en-US" sz="4800" dirty="0">
-                <a:solidFill>
-                  <a:srgbClr val="000000"/>
-                </a:solidFill>
-              </a:rPr>
-              <a:t>一環</a:t>
-            </a:r>
-            <a:endParaRPr lang="en-US" sz="4800" dirty="0"/>
-          </a:p>
-          <a:p>
-            <a:pPr algn="ctr" indent="0" marL="0">
-              <a:buNone/>
-            </a:pPr>
-            <a:r>
-              <a:rPr lang="en-US" sz="4800" dirty="0">
-                <a:solidFill>
-                  <a:srgbClr val="000000"/>
+            <a:endParaRPr lang="en-US" sz="3600" dirty="0"/>
+          </a:p>
+          <a:p>
+            <a:pPr algn="ctr" indent="0" marL="0">
+              <a:buNone/>
+            </a:pPr>
+            <a:endParaRPr lang="en-US" sz="3600" dirty="0"/>
+          </a:p>
+          <a:p>
+            <a:pPr algn="ctr" indent="0" marL="0">
+              <a:buNone/>
+            </a:pPr>
+            <a:r>
+              <a:rPr lang="en-US" sz="3600" dirty="0">
+                <a:solidFill>
+                  <a:srgbClr val="404040"/>
                 </a:solidFill>
               </a:rPr>
               <a:t>いっかん</a:t>
             </a:r>
-            <a:endParaRPr lang="en-US" sz="4800" dirty="0"/>
-          </a:p>
-        </p:txBody>
-      </p:sp>
-      <p:sp>
-        <p:nvSpPr>
-          <p:cNvPr id="3" name="Text 1"/>
+            <a:endParaRPr lang="en-US" sz="3600" dirty="0"/>
+          </a:p>
+        </p:txBody>
+      </p:sp>
+      <p:sp>
+        <p:nvSpPr>
+          <p:cNvPr id="4" name="Text 2"/>
           <p:cNvSpPr/>
           <p:nvPr/>
         </p:nvSpPr>
@@ -2833,7 +3139,7 @@
             <a:r>
               <a:rPr lang="en-US" sz="3600" dirty="0">
                 <a:solidFill>
-                  <a:srgbClr val="000000"/>
+                  <a:srgbClr val="808080"/>
                 </a:solidFill>
               </a:rPr>
               <a:t>link (e.g. in a chain of events), part (of a plan, campaign, activities, etc.) | monocyclic...</a:t>
@@ -2844,32 +3150,32 @@
       </p:sp>
       <p:sp>
         <p:nvSpPr>
-          <p:cNvPr id="4" name="Text 2"/>
-          <p:cNvSpPr/>
-          <p:nvPr/>
-        </p:nvSpPr>
-        <p:spPr>
-          <a:xfrm>
-            <a:off x="0" y="4572000"/>
-            <a:ext cx="7315200" cy="1828800"/>
-          </a:xfrm>
-          <a:prstGeom prst="rect">
-            <a:avLst/>
-          </a:prstGeom>
-          <a:noFill/>
-          <a:ln/>
-        </p:spPr>
-        <p:txBody>
-          <a:bodyPr wrap="square" rtlCol="0" anchor="ctr"/>
-          <a:lstStyle/>
-          <a:p>
-            <a:pPr algn="l" indent="0" marL="0">
+          <p:cNvPr id="5" name="Text 3"/>
+          <p:cNvSpPr/>
+          <p:nvPr/>
+        </p:nvSpPr>
+        <p:spPr>
+          <a:xfrm>
+            <a:off x="0" y="3657600"/>
+            <a:ext cx="8686800" cy="1828800"/>
+          </a:xfrm>
+          <a:prstGeom prst="rect">
+            <a:avLst/>
+          </a:prstGeom>
+          <a:noFill/>
+          <a:ln/>
+        </p:spPr>
+        <p:txBody>
+          <a:bodyPr wrap="square" rtlCol="0" anchor="ctr"/>
+          <a:lstStyle/>
+          <a:p>
+            <a:pPr algn="r" indent="0" marL="0">
               <a:buNone/>
             </a:pPr>
             <a:r>
               <a:rPr lang="en-US" sz="2400" dirty="0">
                 <a:solidFill>
-                  <a:srgbClr val="000000"/>
+                  <a:srgbClr val="808080"/>
                 </a:solidFill>
               </a:rPr>
               <a:t>67-68</a:t>

--- a/10|2-6/2023-10-5/kanji-reading.pptx
+++ b/10|2-6/2023-10-5/kanji-reading.pptx
@@ -14,9 +14,10 @@
     <p:sldId id="262" r:id="rId8"/>
     <p:sldId id="263" r:id="rId9"/>
     <p:sldId id="264" r:id="rId10"/>
+    <p:sldId id="265" r:id="rId11"/>
   </p:sldIdLst>
   <p:notesMasterIdLst>
-    <p:notesMasterId r:id="rId11"/>
+    <p:notesMasterId r:id="rId12"/>
   </p:notesMasterIdLst>
   <p:sldSz cx="9144000" cy="5143500"/>
   <p:notesSz cx="5143500" cy="9144000"/>
@@ -534,6 +535,94 @@
             <a:fld id="{F7021451-1387-4CA6-816F-3879F97B5CBC}" type="slidenum">
               <a:rPr lang="en-US"/>
               <a:t>1</a:t>
+            </a:fld>
+            <a:endParaRPr lang="en-US"/>
+          </a:p>
+        </p:txBody>
+      </p:sp>
+    </p:spTree>
+    <p:extLst>
+      <p:ext uri="{BB962C8B-B14F-4D97-AF65-F5344CB8AC3E}">
+        <p14:creationId xmlns:p14="http://schemas.microsoft.com/office/powerpoint/2010/main" val="1024086991"/>
+      </p:ext>
+    </p:extLst>
+  </p:cSld>
+  <p:clrMapOvr>
+    <a:masterClrMapping/>
+  </p:clrMapOvr>
+</p:notes>
+</file>
+
+<file path=ppt/notesSlides/notesSlide10.xml><?xml version="1.0" encoding="utf-8"?>
+<p:notes xmlns:a="http://schemas.openxmlformats.org/drawingml/2006/main" xmlns:r="http://schemas.openxmlformats.org/officeDocument/2006/relationships" xmlns:p="http://schemas.openxmlformats.org/presentationml/2006/main">
+  <p:cSld>
+    <p:spTree>
+      <p:nvGrpSpPr>
+        <p:cNvPr id="1" name=""/>
+        <p:cNvGrpSpPr/>
+        <p:nvPr/>
+      </p:nvGrpSpPr>
+      <p:grpSpPr>
+        <a:xfrm>
+          <a:off x="0" y="0"/>
+          <a:ext cx="0" cy="0"/>
+          <a:chOff x="0" y="0"/>
+          <a:chExt cx="0" cy="0"/>
+        </a:xfrm>
+      </p:grpSpPr>
+      <p:sp>
+        <p:nvSpPr>
+          <p:cNvPr id="2" name="Slide Image Placeholder 1"/>
+          <p:cNvSpPr>
+            <a:spLocks noGrp="1" noRot="1" noChangeAspect="1"/>
+          </p:cNvSpPr>
+          <p:nvPr>
+            <p:ph type="sldImg"/>
+          </p:nvPr>
+        </p:nvSpPr>
+        <p:spPr/>
+      </p:sp>
+      <p:sp>
+        <p:nvSpPr>
+          <p:cNvPr id="3" name="Notes Placeholder 2"/>
+          <p:cNvSpPr>
+            <a:spLocks noGrp="1"/>
+          </p:cNvSpPr>
+          <p:nvPr>
+            <p:ph type="body" idx="1"/>
+          </p:nvPr>
+        </p:nvSpPr>
+        <p:spPr/>
+        <p:txBody>
+          <a:bodyPr/>
+          <a:lstStyle/>
+          <a:p>
+            <a:r>
+              <a:rPr lang="en-US" dirty="0"/>
+              <a:t/>
+            </a:r>
+            <a:endParaRPr lang="en-US" dirty="0"/>
+          </a:p>
+        </p:txBody>
+      </p:sp>
+      <p:sp>
+        <p:nvSpPr>
+          <p:cNvPr id="4" name="Slide Number Placeholder 3"/>
+          <p:cNvSpPr>
+            <a:spLocks noGrp="1"/>
+          </p:cNvSpPr>
+          <p:nvPr>
+            <p:ph type="sldNum" sz="quarter" idx="10"/>
+          </p:nvPr>
+        </p:nvSpPr>
+        <p:spPr/>
+        <p:txBody>
+          <a:bodyPr/>
+          <a:lstStyle/>
+          <a:p>
+            <a:fld id="{F7021451-1387-4CA6-816F-3879F97B5CBC}" type="slidenum">
+              <a:rPr lang="en-US"/>
+              <a:t>10</a:t>
             </a:fld>
             <a:endParaRPr lang="en-US"/>
           </a:p>
@@ -1610,7 +1699,7 @@
                   <a:srgbClr val="000000"/>
                 </a:solidFill>
               </a:rPr>
-              <a:t>殺す</a:t>
+              <a:t>幅広い</a:t>
             </a:r>
             <a:endParaRPr lang="en-US" sz="4800" dirty="0"/>
           </a:p>
@@ -1658,7 +1747,7 @@
                   <a:srgbClr val="404040"/>
                 </a:solidFill>
               </a:rPr>
-              <a:t>ころす</a:t>
+              <a:t>はばひろい</a:t>
             </a:r>
             <a:endParaRPr lang="en-US" sz="3600" dirty="0"/>
           </a:p>
@@ -1694,7 +1783,7 @@
                   <a:srgbClr val="808080"/>
                 </a:solidFill>
               </a:rPr>
-              <a:t>to kill, to slay, to murder, to slaughter | to suppress, to block, to hamper, to destroy (e.g. talent), to eliminate (e.g...</a:t>
+              <a:t>extensive, wide, broad...</a:t>
             </a:r>
             <a:endParaRPr lang="en-US" sz="3600" dirty="0"/>
           </a:p>
@@ -1730,7 +1819,188 @@
                   <a:srgbClr val="808080"/>
                 </a:solidFill>
               </a:rPr>
-              <a:t>67-68</a:t>
+              <a:t>65-66</a:t>
+            </a:r>
+            <a:endParaRPr lang="en-US" sz="2400" dirty="0"/>
+          </a:p>
+        </p:txBody>
+      </p:sp>
+    </p:spTree>
+  </p:cSld>
+  <p:clrMapOvr>
+    <a:masterClrMapping/>
+  </p:clrMapOvr>
+</p:sld>
+</file>
+
+<file path=ppt/slides/slide10.xml><?xml version="1.0" encoding="utf-8"?>
+<p:sld xmlns:a="http://schemas.openxmlformats.org/drawingml/2006/main" xmlns:r="http://schemas.openxmlformats.org/officeDocument/2006/relationships" xmlns:p="http://schemas.openxmlformats.org/presentationml/2006/main">
+  <p:cSld name="Slide 10">
+    <p:spTree>
+      <p:nvGrpSpPr>
+        <p:cNvPr id="1" name=""/>
+        <p:cNvGrpSpPr/>
+        <p:nvPr/>
+      </p:nvGrpSpPr>
+      <p:grpSpPr>
+        <a:xfrm>
+          <a:off x="0" y="0"/>
+          <a:ext cx="0" cy="0"/>
+          <a:chOff x="0" y="0"/>
+          <a:chExt cx="0" cy="0"/>
+        </a:xfrm>
+      </p:grpSpPr>
+      <p:sp>
+        <p:nvSpPr>
+          <p:cNvPr id="2" name="Text 0"/>
+          <p:cNvSpPr/>
+          <p:nvPr/>
+        </p:nvSpPr>
+        <p:spPr>
+          <a:xfrm>
+            <a:off x="0" y="548640"/>
+            <a:ext cx="9144000" cy="1828800"/>
+          </a:xfrm>
+          <a:prstGeom prst="rect">
+            <a:avLst/>
+          </a:prstGeom>
+          <a:noFill/>
+          <a:ln/>
+        </p:spPr>
+        <p:txBody>
+          <a:bodyPr wrap="square" rtlCol="0" anchor="ctr"/>
+          <a:lstStyle/>
+          <a:p>
+            <a:pPr algn="ctr" indent="0" marL="0">
+              <a:buNone/>
+            </a:pPr>
+            <a:r>
+              <a:rPr lang="en-US" sz="4800" dirty="0">
+                <a:solidFill>
+                  <a:srgbClr val="000000"/>
+                </a:solidFill>
+              </a:rPr>
+              <a:t>害虫</a:t>
+            </a:r>
+            <a:endParaRPr lang="en-US" sz="4800" dirty="0"/>
+          </a:p>
+        </p:txBody>
+      </p:sp>
+      <p:sp>
+        <p:nvSpPr>
+          <p:cNvPr id="3" name="Text 1"/>
+          <p:cNvSpPr/>
+          <p:nvPr/>
+        </p:nvSpPr>
+        <p:spPr>
+          <a:xfrm>
+            <a:off x="0" y="914400"/>
+            <a:ext cx="9144000" cy="1828800"/>
+          </a:xfrm>
+          <a:prstGeom prst="rect">
+            <a:avLst/>
+          </a:prstGeom>
+          <a:noFill/>
+          <a:ln/>
+        </p:spPr>
+        <p:txBody>
+          <a:bodyPr wrap="square" rtlCol="0" anchor="ctr"/>
+          <a:lstStyle/>
+          <a:p>
+            <a:pPr algn="ctr" indent="0" marL="0">
+              <a:buNone/>
+            </a:pPr>
+            <a:endParaRPr lang="en-US" sz="3600" dirty="0"/>
+          </a:p>
+          <a:p>
+            <a:pPr algn="ctr" indent="0" marL="0">
+              <a:buNone/>
+            </a:pPr>
+            <a:endParaRPr lang="en-US" sz="3600" dirty="0"/>
+          </a:p>
+          <a:p>
+            <a:pPr algn="ctr" indent="0" marL="0">
+              <a:buNone/>
+            </a:pPr>
+            <a:r>
+              <a:rPr lang="en-US" sz="3600" dirty="0">
+                <a:solidFill>
+                  <a:srgbClr val="404040"/>
+                </a:solidFill>
+              </a:rPr>
+              <a:t>がいちゅう</a:t>
+            </a:r>
+            <a:endParaRPr lang="en-US" sz="3600" dirty="0"/>
+          </a:p>
+        </p:txBody>
+      </p:sp>
+      <p:sp>
+        <p:nvSpPr>
+          <p:cNvPr id="4" name="Text 2"/>
+          <p:cNvSpPr/>
+          <p:nvPr/>
+        </p:nvSpPr>
+        <p:spPr>
+          <a:xfrm>
+            <a:off x="0" y="2743200"/>
+            <a:ext cx="9144000" cy="1828800"/>
+          </a:xfrm>
+          <a:prstGeom prst="rect">
+            <a:avLst/>
+          </a:prstGeom>
+          <a:noFill/>
+          <a:ln/>
+        </p:spPr>
+        <p:txBody>
+          <a:bodyPr wrap="square" rtlCol="0" anchor="ctr"/>
+          <a:lstStyle/>
+          <a:p>
+            <a:pPr algn="ctr" indent="0" marL="0">
+              <a:buNone/>
+            </a:pPr>
+            <a:r>
+              <a:rPr lang="en-US" sz="3600" dirty="0">
+                <a:solidFill>
+                  <a:srgbClr val="808080"/>
+                </a:solidFill>
+              </a:rPr>
+              <a:t>harmful insect, noxious insect, vermin, pest...</a:t>
+            </a:r>
+            <a:endParaRPr lang="en-US" sz="3600" dirty="0"/>
+          </a:p>
+        </p:txBody>
+      </p:sp>
+      <p:sp>
+        <p:nvSpPr>
+          <p:cNvPr id="5" name="Text 3"/>
+          <p:cNvSpPr/>
+          <p:nvPr/>
+        </p:nvSpPr>
+        <p:spPr>
+          <a:xfrm>
+            <a:off x="0" y="3657600"/>
+            <a:ext cx="8686800" cy="1828800"/>
+          </a:xfrm>
+          <a:prstGeom prst="rect">
+            <a:avLst/>
+          </a:prstGeom>
+          <a:noFill/>
+          <a:ln/>
+        </p:spPr>
+        <p:txBody>
+          <a:bodyPr wrap="square" rtlCol="0" anchor="ctr"/>
+          <a:lstStyle/>
+          <a:p>
+            <a:pPr algn="r" indent="0" marL="0">
+              <a:buNone/>
+            </a:pPr>
+            <a:r>
+              <a:rPr lang="en-US" sz="2400" dirty="0">
+                <a:solidFill>
+                  <a:srgbClr val="808080"/>
+                </a:solidFill>
+              </a:rPr>
+              <a:t>65-66</a:t>
             </a:r>
             <a:endParaRPr lang="en-US" sz="2400" dirty="0"/>
           </a:p>
@@ -1791,7 +2061,7 @@
                   <a:srgbClr val="000000"/>
                 </a:solidFill>
               </a:rPr>
-              <a:t>殺人</a:t>
+              <a:t>増幅</a:t>
             </a:r>
             <a:endParaRPr lang="en-US" sz="4800" dirty="0"/>
           </a:p>
@@ -1839,7 +2109,7 @@
                   <a:srgbClr val="404040"/>
                 </a:solidFill>
               </a:rPr>
-              <a:t>さつじん</a:t>
+              <a:t>ぞうふく</a:t>
             </a:r>
             <a:endParaRPr lang="en-US" sz="3600" dirty="0"/>
           </a:p>
@@ -1875,7 +2145,7 @@
                   <a:srgbClr val="808080"/>
                 </a:solidFill>
               </a:rPr>
-              <a:t>murder, homicide, manslaughter...</a:t>
+              <a:t>amplification (elec.) | magnification, amplification, making larger...</a:t>
             </a:r>
             <a:endParaRPr lang="en-US" sz="3600" dirty="0"/>
           </a:p>
@@ -1911,7 +2181,7 @@
                   <a:srgbClr val="808080"/>
                 </a:solidFill>
               </a:rPr>
-              <a:t>67-68</a:t>
+              <a:t>65-66</a:t>
             </a:r>
             <a:endParaRPr lang="en-US" sz="2400" dirty="0"/>
           </a:p>
@@ -1972,7 +2242,7 @@
                   <a:srgbClr val="000000"/>
                 </a:solidFill>
               </a:rPr>
-              <a:t>農薬</a:t>
+              <a:t>支える</a:t>
             </a:r>
             <a:endParaRPr lang="en-US" sz="4800" dirty="0"/>
           </a:p>
@@ -2020,7 +2290,7 @@
                   <a:srgbClr val="404040"/>
                 </a:solidFill>
               </a:rPr>
-              <a:t>のうやく</a:t>
+              <a:t>ささえる</a:t>
             </a:r>
             <a:endParaRPr lang="en-US" sz="3600" dirty="0"/>
           </a:p>
@@ -2056,7 +2326,7 @@
                   <a:srgbClr val="808080"/>
                 </a:solidFill>
               </a:rPr>
-              <a:t>agricultural chemical (i.e. pesticide, herbicide, fungicide, etc.), agrochemical, agrichemical...</a:t>
+              <a:t>to support, to prop, to sustain, to underlay, to hold up, to defend | to hold at bay, to stem, to check...</a:t>
             </a:r>
             <a:endParaRPr lang="en-US" sz="3600" dirty="0"/>
           </a:p>
@@ -2092,7 +2362,7 @@
                   <a:srgbClr val="808080"/>
                 </a:solidFill>
               </a:rPr>
-              <a:t>67-68</a:t>
+              <a:t>65-66</a:t>
             </a:r>
             <a:endParaRPr lang="en-US" sz="2400" dirty="0"/>
           </a:p>
@@ -2153,7 +2423,7 @@
                   <a:srgbClr val="000000"/>
                 </a:solidFill>
               </a:rPr>
-              <a:t>収入印紙</a:t>
+              <a:t>支持</a:t>
             </a:r>
             <a:endParaRPr lang="en-US" sz="4800" dirty="0"/>
           </a:p>
@@ -2201,7 +2471,7 @@
                   <a:srgbClr val="404040"/>
                 </a:solidFill>
               </a:rPr>
-              <a:t>しゅうにゅういんし</a:t>
+              <a:t>しじ</a:t>
             </a:r>
             <a:endParaRPr lang="en-US" sz="3600" dirty="0"/>
           </a:p>
@@ -2237,7 +2507,7 @@
                   <a:srgbClr val="808080"/>
                 </a:solidFill>
               </a:rPr>
-              <a:t>revenue stamp...</a:t>
+              <a:t>support, backing, endorsement, approval | propping up, holding up, support...</a:t>
             </a:r>
             <a:endParaRPr lang="en-US" sz="3600" dirty="0"/>
           </a:p>
@@ -2273,7 +2543,7 @@
                   <a:srgbClr val="808080"/>
                 </a:solidFill>
               </a:rPr>
-              <a:t>67-68</a:t>
+              <a:t>65-66</a:t>
             </a:r>
             <a:endParaRPr lang="en-US" sz="2400" dirty="0"/>
           </a:p>
@@ -2334,7 +2604,7 @@
                   <a:srgbClr val="000000"/>
                 </a:solidFill>
               </a:rPr>
-              <a:t>収穫</a:t>
+              <a:t>反対</a:t>
             </a:r>
             <a:endParaRPr lang="en-US" sz="4800" dirty="0"/>
           </a:p>
@@ -2382,7 +2652,7 @@
                   <a:srgbClr val="404040"/>
                 </a:solidFill>
               </a:rPr>
-              <a:t>しゅうかく</a:t>
+              <a:t>はんたい</a:t>
             </a:r>
             <a:endParaRPr lang="en-US" sz="3600" dirty="0"/>
           </a:p>
@@ -2418,7 +2688,7 @@
                   <a:srgbClr val="808080"/>
                 </a:solidFill>
               </a:rPr>
-              <a:t>harvest, crop, ingathering | fruits (of one's labors), gain, result, returns...</a:t>
+              <a:t>opposition, resistance, antagonism, hostility, objection, dissent | reverse, opposite, inverse, contrary...</a:t>
             </a:r>
             <a:endParaRPr lang="en-US" sz="3600" dirty="0"/>
           </a:p>
@@ -2454,7 +2724,7 @@
                   <a:srgbClr val="808080"/>
                 </a:solidFill>
               </a:rPr>
-              <a:t>67-68</a:t>
+              <a:t>65-66</a:t>
             </a:r>
             <a:endParaRPr lang="en-US" sz="2400" dirty="0"/>
           </a:p>
@@ -2515,7 +2785,7 @@
                   <a:srgbClr val="000000"/>
                 </a:solidFill>
               </a:rPr>
-              <a:t>少量</a:t>
+              <a:t>論文</a:t>
             </a:r>
             <a:endParaRPr lang="en-US" sz="4800" dirty="0"/>
           </a:p>
@@ -2563,7 +2833,7 @@
                   <a:srgbClr val="404040"/>
                 </a:solidFill>
               </a:rPr>
-              <a:t>しょうりょう</a:t>
+              <a:t>ろんぶん</a:t>
             </a:r>
             <a:endParaRPr lang="en-US" sz="3600" dirty="0"/>
           </a:p>
@@ -2599,7 +2869,7 @@
                   <a:srgbClr val="808080"/>
                 </a:solidFill>
               </a:rPr>
-              <a:t>small quantity, small amount | narrowmindedness...</a:t>
+              <a:t>thesis, essay, treatise, paper, article...</a:t>
             </a:r>
             <a:endParaRPr lang="en-US" sz="3600" dirty="0"/>
           </a:p>
@@ -2635,7 +2905,7 @@
                   <a:srgbClr val="808080"/>
                 </a:solidFill>
               </a:rPr>
-              <a:t>67-68</a:t>
+              <a:t>65-66</a:t>
             </a:r>
             <a:endParaRPr lang="en-US" sz="2400" dirty="0"/>
           </a:p>
@@ -2696,7 +2966,7 @@
                   <a:srgbClr val="000000"/>
                 </a:solidFill>
               </a:rPr>
-              <a:t>完全</a:t>
+              <a:t>否定</a:t>
             </a:r>
             <a:endParaRPr lang="en-US" sz="4800" dirty="0"/>
           </a:p>
@@ -2744,7 +3014,7 @@
                   <a:srgbClr val="404040"/>
                 </a:solidFill>
               </a:rPr>
-              <a:t>かんぜん</a:t>
+              <a:t>ひてい</a:t>
             </a:r>
             <a:endParaRPr lang="en-US" sz="3600" dirty="0"/>
           </a:p>
@@ -2780,7 +3050,7 @@
                   <a:srgbClr val="808080"/>
                 </a:solidFill>
               </a:rPr>
-              <a:t>perfect, complete...</a:t>
+              <a:t>denial, negation, repudiation, disavowal | negation | NOT operation...</a:t>
             </a:r>
             <a:endParaRPr lang="en-US" sz="3600" dirty="0"/>
           </a:p>
@@ -2816,7 +3086,7 @@
                   <a:srgbClr val="808080"/>
                 </a:solidFill>
               </a:rPr>
-              <a:t>67-68</a:t>
+              <a:t>65-66</a:t>
             </a:r>
             <a:endParaRPr lang="en-US" sz="2400" dirty="0"/>
           </a:p>
@@ -2877,7 +3147,7 @@
                   <a:srgbClr val="000000"/>
                 </a:solidFill>
               </a:rPr>
-              <a:t>原因</a:t>
+              <a:t>野菜</a:t>
             </a:r>
             <a:endParaRPr lang="en-US" sz="4800" dirty="0"/>
           </a:p>
@@ -2925,7 +3195,7 @@
                   <a:srgbClr val="404040"/>
                 </a:solidFill>
               </a:rPr>
-              <a:t>げんいん</a:t>
+              <a:t>やさい</a:t>
             </a:r>
             <a:endParaRPr lang="en-US" sz="3600" dirty="0"/>
           </a:p>
@@ -2961,7 +3231,7 @@
                   <a:srgbClr val="808080"/>
                 </a:solidFill>
               </a:rPr>
-              <a:t>cause, origin, source...</a:t>
+              <a:t>vegetable...</a:t>
             </a:r>
             <a:endParaRPr lang="en-US" sz="3600" dirty="0"/>
           </a:p>
@@ -2997,7 +3267,7 @@
                   <a:srgbClr val="808080"/>
                 </a:solidFill>
               </a:rPr>
-              <a:t>67-68</a:t>
+              <a:t>65-66</a:t>
             </a:r>
             <a:endParaRPr lang="en-US" sz="2400" dirty="0"/>
           </a:p>
@@ -3058,7 +3328,7 @@
                   <a:srgbClr val="000000"/>
                 </a:solidFill>
               </a:rPr>
-              <a:t>一環</a:t>
+              <a:t>穀物</a:t>
             </a:r>
             <a:endParaRPr lang="en-US" sz="4800" dirty="0"/>
           </a:p>
@@ -3106,7 +3376,7 @@
                   <a:srgbClr val="404040"/>
                 </a:solidFill>
               </a:rPr>
-              <a:t>いっかん</a:t>
+              <a:t>こくもつ</a:t>
             </a:r>
             <a:endParaRPr lang="en-US" sz="3600" dirty="0"/>
           </a:p>
@@ -3142,7 +3412,7 @@
                   <a:srgbClr val="808080"/>
                 </a:solidFill>
               </a:rPr>
-              <a:t>link (e.g. in a chain of events), part (of a plan, campaign, activities, etc.) | monocyclic...</a:t>
+              <a:t>grain, cereal, corn...</a:t>
             </a:r>
             <a:endParaRPr lang="en-US" sz="3600" dirty="0"/>
           </a:p>
@@ -3178,7 +3448,7 @@
                   <a:srgbClr val="808080"/>
                 </a:solidFill>
               </a:rPr>
-              <a:t>67-68</a:t>
+              <a:t>65-66</a:t>
             </a:r>
             <a:endParaRPr lang="en-US" sz="2400" dirty="0"/>
           </a:p>
